--- a/U3/Notes/Lesson 13 -Functions.pptx
+++ b/U3/Notes/Lesson 13 -Functions.pptx
@@ -43,7 +43,7 @@
   <p:notesSz cx="6858000" cy="9144000"/>
   <p:embeddedFontLst>
     <p:embeddedFont>
-      <p:font typeface="Proxima Nova" panose="020B0604020202020204" charset="0"/>
+      <p:font typeface="Proxima Nova"/>
       <p:regular r:id="rId33"/>
       <p:bold r:id="rId33"/>
       <p:italic r:id="rId33"/>
@@ -295,7 +295,7 @@
       </p15:sldGuideLst>
     </p:ext>
     <p:ext uri="http://customooxmlschemas.google.com/">
-      <go:slidesCustomData xmlns:go="http://customooxmlschemas.google.com/" xmlns:ahyp="http://schemas.microsoft.com/office/drawing/2018/hyperlinkcolor" xmlns:p15="http://schemas.microsoft.com/office/powerpoint/2012/main" xmlns:p14="http://schemas.microsoft.com/office/powerpoint/2010/main" xmlns:com="http://schemas.openxmlformats.org/drawingml/2006/compatibility" xmlns:pvml="urn:schemas-microsoft-com:office:powerpoint" xmlns:v="urn:schemas-microsoft-com:vml" xmlns:o="urn:schemas-microsoft-com:office:office" xmlns:dgm="http://schemas.openxmlformats.org/drawingml/2006/diagram" xmlns:c="http://schemas.openxmlformats.org/drawingml/2006/chart" xmlns:mv="urn:schemas-microsoft-com:mac:vml" xmlns:mc="http://schemas.openxmlformats.org/markup-compatibility/2006" xmlns="" r:id="rId54" roundtripDataSignature="AMtx7mgdvDHcG5iEPz+aRYVOQIenbUc5uA=="/>
+      <go:slidesCustomData xmlns="" xmlns:mc="http://schemas.openxmlformats.org/markup-compatibility/2006" xmlns:mv="urn:schemas-microsoft-com:mac:vml" xmlns:c="http://schemas.openxmlformats.org/drawingml/2006/chart" xmlns:dgm="http://schemas.openxmlformats.org/drawingml/2006/diagram" xmlns:o="urn:schemas-microsoft-com:office:office" xmlns:v="urn:schemas-microsoft-com:vml" xmlns:pvml="urn:schemas-microsoft-com:office:powerpoint" xmlns:com="http://schemas.openxmlformats.org/drawingml/2006/compatibility" xmlns:p14="http://schemas.microsoft.com/office/powerpoint/2010/main" xmlns:p15="http://schemas.microsoft.com/office/powerpoint/2012/main" xmlns:ahyp="http://schemas.microsoft.com/office/drawing/2018/hyperlinkcolor" xmlns:go="http://customooxmlschemas.google.com/" r:id="rId54" roundtripDataSignature="AMtx7mgdvDHcG5iEPz+aRYVOQIenbUc5uA=="/>
     </p:ext>
   </p:extLst>
 </p:presentation>
@@ -12824,36 +12824,6 @@
           </a:p>
         </p:txBody>
       </p:sp>
-      <p:pic>
-        <p:nvPicPr>
-          <p:cNvPr id="4" name="Picture 3">
-            <a:extLst>
-              <a:ext uri="{FF2B5EF4-FFF2-40B4-BE49-F238E27FC236}">
-                <a16:creationId xmlns:a16="http://schemas.microsoft.com/office/drawing/2014/main" id="{C8FCE05A-41A2-444F-9247-182374B2EEA9}"/>
-              </a:ext>
-            </a:extLst>
-          </p:cNvPr>
-          <p:cNvPicPr>
-            <a:picLocks noChangeAspect="1"/>
-          </p:cNvPicPr>
-          <p:nvPr/>
-        </p:nvPicPr>
-        <p:blipFill>
-          <a:blip r:embed="rId2"/>
-          <a:stretch>
-            <a:fillRect/>
-          </a:stretch>
-        </p:blipFill>
-        <p:spPr>
-          <a:xfrm>
-            <a:off x="623316" y="2628950"/>
-            <a:ext cx="3866972" cy="1772362"/>
-          </a:xfrm>
-          <a:prstGeom prst="rect">
-            <a:avLst/>
-          </a:prstGeom>
-        </p:spPr>
-      </p:pic>
       <p:sp>
         <p:nvSpPr>
           <p:cNvPr id="5" name="TextBox 4">
@@ -12889,6 +12859,36 @@
           </a:p>
         </p:txBody>
       </p:sp>
+      <p:pic>
+        <p:nvPicPr>
+          <p:cNvPr id="6" name="Picture 5">
+            <a:extLst>
+              <a:ext uri="{FF2B5EF4-FFF2-40B4-BE49-F238E27FC236}">
+                <a16:creationId xmlns:a16="http://schemas.microsoft.com/office/drawing/2014/main" id="{0CEA03BC-09CC-42E0-A601-5CF79A4B2BDD}"/>
+              </a:ext>
+            </a:extLst>
+          </p:cNvPr>
+          <p:cNvPicPr>
+            <a:picLocks noChangeAspect="1"/>
+          </p:cNvPicPr>
+          <p:nvPr/>
+        </p:nvPicPr>
+        <p:blipFill>
+          <a:blip r:embed="rId2"/>
+          <a:stretch>
+            <a:fillRect/>
+          </a:stretch>
+        </p:blipFill>
+        <p:spPr>
+          <a:xfrm>
+            <a:off x="625982" y="2647900"/>
+            <a:ext cx="3763137" cy="1378219"/>
+          </a:xfrm>
+          <a:prstGeom prst="rect">
+            <a:avLst/>
+          </a:prstGeom>
+        </p:spPr>
+      </p:pic>
     </p:spTree>
     <p:extLst>
       <p:ext uri="{BB962C8B-B14F-4D97-AF65-F5344CB8AC3E}">
